--- a/Tutorials/KurtisSpring2020Poster.pptx
+++ b/Tutorials/KurtisSpring2020Poster.pptx
@@ -5133,7 +5133,7 @@
         <p:spPr>
           <a:xfrm>
             <a:off x="30175200" y="26243280"/>
-            <a:ext cx="12801600" cy="5948816"/>
+            <a:ext cx="12801600" cy="4587646"/>
           </a:xfrm>
         </p:spPr>
         <p:txBody>
@@ -5147,69 +5147,41 @@
             </a:pPr>
             <a:r>
               <a:rPr lang="en-US" sz="4000" dirty="0"/>
-              <a:t>Quigley, M., Conley, K., </a:t>
+              <a:t>ROS Documentation. (n.d.). Retrieved from ROS Wiki: wiki.ros.org</a:t>
+            </a:r>
+          </a:p>
+          <a:p>
+            <a:pPr marL="0" indent="0">
+              <a:buNone/>
+            </a:pPr>
+            <a:r>
+              <a:rPr lang="en-US" sz="4000" dirty="0"/>
+              <a:t>Turtlebot3 </a:t>
             </a:r>
             <a:r>
               <a:rPr lang="en-US" sz="4000" dirty="0" err="1"/>
-              <a:t>Gerkey</a:t>
+              <a:t>Documentaion</a:t>
             </a:r>
             <a:r>
               <a:rPr lang="en-US" sz="4000" dirty="0"/>
-              <a:t>, B., Faust, J., Foote, T., </a:t>
+              <a:t>. (n.d.). Retrieved from </a:t>
             </a:r>
             <a:r>
               <a:rPr lang="en-US" sz="4000" dirty="0" err="1"/>
-              <a:t>Leibs</a:t>
+              <a:t>Robotis</a:t>
             </a:r>
             <a:r>
               <a:rPr lang="en-US" sz="4000" dirty="0"/>
-              <a:t>, J., ... &amp; Ng, A. Y. (2009, May). ROS: an open-source Robot Operating System. In </a:t>
-            </a:r>
-            <a:r>
-              <a:rPr lang="en-US" sz="4000" i="1" dirty="0"/>
-              <a:t>ICRA workshop on open source software</a:t>
-            </a:r>
+              <a:t>: emanual.robotis.com/</a:t>
+            </a:r>
+          </a:p>
+          <a:p>
+            <a:pPr marL="0" indent="0">
+              <a:buNone/>
+            </a:pPr>
             <a:r>
               <a:rPr lang="en-US" sz="4000" dirty="0"/>
-              <a:t> (Vol. 3, No. 3.2, p. 5).</a:t>
-            </a:r>
-          </a:p>
-          <a:p>
-            <a:pPr marL="0" indent="0">
-              <a:buNone/>
-            </a:pPr>
-            <a:r>
-              <a:rPr lang="en-US" sz="4000" dirty="0" err="1"/>
-              <a:t>Durrant</a:t>
-            </a:r>
-            <a:r>
-              <a:rPr lang="en-US" sz="4000" dirty="0"/>
-              <a:t>-Whyte, H., &amp; Bailey, T. (2006). Simultaneous localization and mapping: part I. </a:t>
-            </a:r>
-            <a:r>
-              <a:rPr lang="en-US" sz="4000" i="1" dirty="0"/>
-              <a:t>IEEE robotics &amp; automation magazine</a:t>
-            </a:r>
-            <a:r>
-              <a:rPr lang="en-US" sz="4000" dirty="0"/>
-              <a:t>, </a:t>
-            </a:r>
-            <a:r>
-              <a:rPr lang="en-US" sz="4000" i="1" dirty="0"/>
-              <a:t>13</a:t>
-            </a:r>
-            <a:r>
-              <a:rPr lang="en-US" sz="4000" dirty="0"/>
-              <a:t>(2), 99-110.</a:t>
-            </a:r>
-          </a:p>
-          <a:p>
-            <a:pPr marL="0" indent="0">
-              <a:buNone/>
-            </a:pPr>
-            <a:r>
-              <a:rPr lang="en-US" sz="4000" dirty="0"/>
-              <a:t>ROS Documentation. (n.d.). Retrieved from ROS Wiki: wiki.ros.org</a:t>
+              <a:t>Troubleshooting Documentation. (n.d.). Retrieved from community forums: answers.ros.org</a:t>
             </a:r>
           </a:p>
           <a:p>
@@ -7582,21 +7554,6 @@
 </file>
 
 <file path=customXml/item1.xml><?xml version="1.0" encoding="utf-8"?>
-<p:properties xmlns:p="http://schemas.microsoft.com/office/2006/metadata/properties" xmlns:xsi="http://www.w3.org/2001/XMLSchema-instance" xmlns:pc="http://schemas.microsoft.com/office/infopath/2007/PartnerControls">
-  <documentManagement/>
-</p:properties>
-</file>
-
-<file path=customXml/item2.xml><?xml version="1.0" encoding="utf-8"?>
-<?mso-contentType ?>
-<FormTemplates xmlns="http://schemas.microsoft.com/sharepoint/v3/contenttype/forms">
-  <Display>DocumentLibraryForm</Display>
-  <Edit>DocumentLibraryForm</Edit>
-  <New>DocumentLibraryForm</New>
-</FormTemplates>
-</file>
-
-<file path=customXml/item3.xml><?xml version="1.0" encoding="utf-8"?>
 <ct:contentTypeSchema xmlns:ct="http://schemas.microsoft.com/office/2006/metadata/contentType" xmlns:ma="http://schemas.microsoft.com/office/2006/metadata/properties/metaAttributes" ct:_="" ma:_="" ma:contentTypeName="Document" ma:contentTypeID="0x0101005D56FB89D6A9684DA3DDF0B6D61101D4" ma:contentTypeVersion="4" ma:contentTypeDescription="Create a new document." ma:contentTypeScope="" ma:versionID="44a139eee13d988e26bf65c2287090a5">
   <xsd:schema xmlns:xsd="http://www.w3.org/2001/XMLSchema" xmlns:xs="http://www.w3.org/2001/XMLSchema" xmlns:p="http://schemas.microsoft.com/office/2006/metadata/properties" xmlns:ns3="91e1063f-1723-4160-a23e-b745d66c9ef7" targetNamespace="http://schemas.microsoft.com/office/2006/metadata/properties" ma:root="true" ma:fieldsID="71819a115d028e41fabca0930816b0a4" ns3:_="">
     <xsd:import namespace="91e1063f-1723-4160-a23e-b745d66c9ef7"/>
@@ -7742,31 +7699,22 @@
 </ct:contentTypeSchema>
 </file>
 
-<file path=customXml/itemProps1.xml><?xml version="1.0" encoding="utf-8"?>
-<ds:datastoreItem xmlns:ds="http://schemas.openxmlformats.org/officeDocument/2006/customXml" ds:itemID="{C0EC082B-C993-4E9D-A9E2-E1286F75B667}">
-  <ds:schemaRefs>
-    <ds:schemaRef ds:uri="http://schemas.microsoft.com/office/2006/documentManagement/types"/>
-    <ds:schemaRef ds:uri="http://purl.org/dc/elements/1.1/"/>
-    <ds:schemaRef ds:uri="http://schemas.microsoft.com/office/infopath/2007/PartnerControls"/>
-    <ds:schemaRef ds:uri="http://purl.org/dc/terms/"/>
-    <ds:schemaRef ds:uri="http://www.w3.org/XML/1998/namespace"/>
-    <ds:schemaRef ds:uri="http://schemas.openxmlformats.org/package/2006/metadata/core-properties"/>
-    <ds:schemaRef ds:uri="91e1063f-1723-4160-a23e-b745d66c9ef7"/>
-    <ds:schemaRef ds:uri="http://schemas.microsoft.com/office/2006/metadata/properties"/>
-    <ds:schemaRef ds:uri="http://purl.org/dc/dcmitype/"/>
-  </ds:schemaRefs>
-</ds:datastoreItem>
+<file path=customXml/item2.xml><?xml version="1.0" encoding="utf-8"?>
+<?mso-contentType ?>
+<FormTemplates xmlns="http://schemas.microsoft.com/sharepoint/v3/contenttype/forms">
+  <Display>DocumentLibraryForm</Display>
+  <Edit>DocumentLibraryForm</Edit>
+  <New>DocumentLibraryForm</New>
+</FormTemplates>
 </file>
 
-<file path=customXml/itemProps2.xml><?xml version="1.0" encoding="utf-8"?>
-<ds:datastoreItem xmlns:ds="http://schemas.openxmlformats.org/officeDocument/2006/customXml" ds:itemID="{86ABF977-9047-4B33-A852-0512A3804DFE}">
-  <ds:schemaRefs>
-    <ds:schemaRef ds:uri="http://schemas.microsoft.com/sharepoint/v3/contenttype/forms"/>
-  </ds:schemaRefs>
-</ds:datastoreItem>
+<file path=customXml/item3.xml><?xml version="1.0" encoding="utf-8"?>
+<p:properties xmlns:p="http://schemas.microsoft.com/office/2006/metadata/properties" xmlns:xsi="http://www.w3.org/2001/XMLSchema-instance" xmlns:pc="http://schemas.microsoft.com/office/infopath/2007/PartnerControls">
+  <documentManagement/>
+</p:properties>
 </file>
 
-<file path=customXml/itemProps3.xml><?xml version="1.0" encoding="utf-8"?>
+<file path=customXml/itemProps1.xml><?xml version="1.0" encoding="utf-8"?>
 <ds:datastoreItem xmlns:ds="http://schemas.openxmlformats.org/officeDocument/2006/customXml" ds:itemID="{0596F897-1E99-47F0-8D42-D097012E1317}">
   <ds:schemaRefs>
     <ds:schemaRef ds:uri="http://schemas.microsoft.com/office/2006/metadata/contentType"/>
@@ -7782,4 +7730,28 @@
     <ds:schemaRef ds:uri="http://schemas.microsoft.com/internal/obd"/>
   </ds:schemaRefs>
 </ds:datastoreItem>
+</file>
+
+<file path=customXml/itemProps2.xml><?xml version="1.0" encoding="utf-8"?>
+<ds:datastoreItem xmlns:ds="http://schemas.openxmlformats.org/officeDocument/2006/customXml" ds:itemID="{86ABF977-9047-4B33-A852-0512A3804DFE}">
+  <ds:schemaRefs>
+    <ds:schemaRef ds:uri="http://schemas.microsoft.com/sharepoint/v3/contenttype/forms"/>
+  </ds:schemaRefs>
+</ds:datastoreItem>
+</file>
+
+<file path=customXml/itemProps3.xml><?xml version="1.0" encoding="utf-8"?>
+<ds:datastoreItem xmlns:ds="http://schemas.openxmlformats.org/officeDocument/2006/customXml" ds:itemID="{C0EC082B-C993-4E9D-A9E2-E1286F75B667}">
+  <ds:schemaRefs>
+    <ds:schemaRef ds:uri="http://schemas.microsoft.com/office/2006/documentManagement/types"/>
+    <ds:schemaRef ds:uri="http://purl.org/dc/elements/1.1/"/>
+    <ds:schemaRef ds:uri="http://schemas.microsoft.com/office/infopath/2007/PartnerControls"/>
+    <ds:schemaRef ds:uri="http://purl.org/dc/terms/"/>
+    <ds:schemaRef ds:uri="http://www.w3.org/XML/1998/namespace"/>
+    <ds:schemaRef ds:uri="http://schemas.openxmlformats.org/package/2006/metadata/core-properties"/>
+    <ds:schemaRef ds:uri="91e1063f-1723-4160-a23e-b745d66c9ef7"/>
+    <ds:schemaRef ds:uri="http://schemas.microsoft.com/office/2006/metadata/properties"/>
+    <ds:schemaRef ds:uri="http://purl.org/dc/dcmitype/"/>
+  </ds:schemaRefs>
+</ds:datastoreItem>
 </file>
--- a/Tutorials/KurtisSpring2020Poster.pptx
+++ b/Tutorials/KurtisSpring2020Poster.pptx
@@ -5156,15 +5156,7 @@
             </a:pPr>
             <a:r>
               <a:rPr lang="en-US" sz="4000" dirty="0"/>
-              <a:t>Turtlebot3 </a:t>
-            </a:r>
-            <a:r>
-              <a:rPr lang="en-US" sz="4000" dirty="0" err="1"/>
-              <a:t>Documentaion</a:t>
-            </a:r>
-            <a:r>
-              <a:rPr lang="en-US" sz="4000" dirty="0"/>
-              <a:t>. (n.d.). Retrieved from </a:t>
+              <a:t>Turtlebot3 Documentation. (n.d.). Retrieved from </a:t>
             </a:r>
             <a:r>
               <a:rPr lang="en-US" sz="4000" dirty="0" err="1"/>
@@ -7554,6 +7546,21 @@
 </file>
 
 <file path=customXml/item1.xml><?xml version="1.0" encoding="utf-8"?>
+<p:properties xmlns:p="http://schemas.microsoft.com/office/2006/metadata/properties" xmlns:xsi="http://www.w3.org/2001/XMLSchema-instance" xmlns:pc="http://schemas.microsoft.com/office/infopath/2007/PartnerControls">
+  <documentManagement/>
+</p:properties>
+</file>
+
+<file path=customXml/item2.xml><?xml version="1.0" encoding="utf-8"?>
+<?mso-contentType ?>
+<FormTemplates xmlns="http://schemas.microsoft.com/sharepoint/v3/contenttype/forms">
+  <Display>DocumentLibraryForm</Display>
+  <Edit>DocumentLibraryForm</Edit>
+  <New>DocumentLibraryForm</New>
+</FormTemplates>
+</file>
+
+<file path=customXml/item3.xml><?xml version="1.0" encoding="utf-8"?>
 <ct:contentTypeSchema xmlns:ct="http://schemas.microsoft.com/office/2006/metadata/contentType" xmlns:ma="http://schemas.microsoft.com/office/2006/metadata/properties/metaAttributes" ct:_="" ma:_="" ma:contentTypeName="Document" ma:contentTypeID="0x0101005D56FB89D6A9684DA3DDF0B6D61101D4" ma:contentTypeVersion="4" ma:contentTypeDescription="Create a new document." ma:contentTypeScope="" ma:versionID="44a139eee13d988e26bf65c2287090a5">
   <xsd:schema xmlns:xsd="http://www.w3.org/2001/XMLSchema" xmlns:xs="http://www.w3.org/2001/XMLSchema" xmlns:p="http://schemas.microsoft.com/office/2006/metadata/properties" xmlns:ns3="91e1063f-1723-4160-a23e-b745d66c9ef7" targetNamespace="http://schemas.microsoft.com/office/2006/metadata/properties" ma:root="true" ma:fieldsID="71819a115d028e41fabca0930816b0a4" ns3:_="">
     <xsd:import namespace="91e1063f-1723-4160-a23e-b745d66c9ef7"/>
@@ -7699,22 +7706,31 @@
 </ct:contentTypeSchema>
 </file>
 
-<file path=customXml/item2.xml><?xml version="1.0" encoding="utf-8"?>
-<?mso-contentType ?>
-<FormTemplates xmlns="http://schemas.microsoft.com/sharepoint/v3/contenttype/forms">
-  <Display>DocumentLibraryForm</Display>
-  <Edit>DocumentLibraryForm</Edit>
-  <New>DocumentLibraryForm</New>
-</FormTemplates>
+<file path=customXml/itemProps1.xml><?xml version="1.0" encoding="utf-8"?>
+<ds:datastoreItem xmlns:ds="http://schemas.openxmlformats.org/officeDocument/2006/customXml" ds:itemID="{C0EC082B-C993-4E9D-A9E2-E1286F75B667}">
+  <ds:schemaRefs>
+    <ds:schemaRef ds:uri="http://schemas.microsoft.com/office/2006/documentManagement/types"/>
+    <ds:schemaRef ds:uri="http://purl.org/dc/elements/1.1/"/>
+    <ds:schemaRef ds:uri="http://schemas.microsoft.com/office/infopath/2007/PartnerControls"/>
+    <ds:schemaRef ds:uri="http://purl.org/dc/terms/"/>
+    <ds:schemaRef ds:uri="http://www.w3.org/XML/1998/namespace"/>
+    <ds:schemaRef ds:uri="http://schemas.openxmlformats.org/package/2006/metadata/core-properties"/>
+    <ds:schemaRef ds:uri="91e1063f-1723-4160-a23e-b745d66c9ef7"/>
+    <ds:schemaRef ds:uri="http://schemas.microsoft.com/office/2006/metadata/properties"/>
+    <ds:schemaRef ds:uri="http://purl.org/dc/dcmitype/"/>
+  </ds:schemaRefs>
+</ds:datastoreItem>
 </file>
 
-<file path=customXml/item3.xml><?xml version="1.0" encoding="utf-8"?>
-<p:properties xmlns:p="http://schemas.microsoft.com/office/2006/metadata/properties" xmlns:xsi="http://www.w3.org/2001/XMLSchema-instance" xmlns:pc="http://schemas.microsoft.com/office/infopath/2007/PartnerControls">
-  <documentManagement/>
-</p:properties>
+<file path=customXml/itemProps2.xml><?xml version="1.0" encoding="utf-8"?>
+<ds:datastoreItem xmlns:ds="http://schemas.openxmlformats.org/officeDocument/2006/customXml" ds:itemID="{86ABF977-9047-4B33-A852-0512A3804DFE}">
+  <ds:schemaRefs>
+    <ds:schemaRef ds:uri="http://schemas.microsoft.com/sharepoint/v3/contenttype/forms"/>
+  </ds:schemaRefs>
+</ds:datastoreItem>
 </file>
 
-<file path=customXml/itemProps1.xml><?xml version="1.0" encoding="utf-8"?>
+<file path=customXml/itemProps3.xml><?xml version="1.0" encoding="utf-8"?>
 <ds:datastoreItem xmlns:ds="http://schemas.openxmlformats.org/officeDocument/2006/customXml" ds:itemID="{0596F897-1E99-47F0-8D42-D097012E1317}">
   <ds:schemaRefs>
     <ds:schemaRef ds:uri="http://schemas.microsoft.com/office/2006/metadata/contentType"/>
@@ -7730,28 +7746,4 @@
     <ds:schemaRef ds:uri="http://schemas.microsoft.com/internal/obd"/>
   </ds:schemaRefs>
 </ds:datastoreItem>
-</file>
-
-<file path=customXml/itemProps2.xml><?xml version="1.0" encoding="utf-8"?>
-<ds:datastoreItem xmlns:ds="http://schemas.openxmlformats.org/officeDocument/2006/customXml" ds:itemID="{86ABF977-9047-4B33-A852-0512A3804DFE}">
-  <ds:schemaRefs>
-    <ds:schemaRef ds:uri="http://schemas.microsoft.com/sharepoint/v3/contenttype/forms"/>
-  </ds:schemaRefs>
-</ds:datastoreItem>
-</file>
-
-<file path=customXml/itemProps3.xml><?xml version="1.0" encoding="utf-8"?>
-<ds:datastoreItem xmlns:ds="http://schemas.openxmlformats.org/officeDocument/2006/customXml" ds:itemID="{C0EC082B-C993-4E9D-A9E2-E1286F75B667}">
-  <ds:schemaRefs>
-    <ds:schemaRef ds:uri="http://schemas.microsoft.com/office/2006/documentManagement/types"/>
-    <ds:schemaRef ds:uri="http://purl.org/dc/elements/1.1/"/>
-    <ds:schemaRef ds:uri="http://schemas.microsoft.com/office/infopath/2007/PartnerControls"/>
-    <ds:schemaRef ds:uri="http://purl.org/dc/terms/"/>
-    <ds:schemaRef ds:uri="http://www.w3.org/XML/1998/namespace"/>
-    <ds:schemaRef ds:uri="http://schemas.openxmlformats.org/package/2006/metadata/core-properties"/>
-    <ds:schemaRef ds:uri="91e1063f-1723-4160-a23e-b745d66c9ef7"/>
-    <ds:schemaRef ds:uri="http://schemas.microsoft.com/office/2006/metadata/properties"/>
-    <ds:schemaRef ds:uri="http://purl.org/dc/dcmitype/"/>
-  </ds:schemaRefs>
-</ds:datastoreItem>
 </file>
--- a/Tutorials/KurtisSpring2020Poster.pptx
+++ b/Tutorials/KurtisSpring2020Poster.pptx
@@ -5115,7 +5115,7 @@
           <a:p>
             <a:r>
               <a:rPr lang="en-US" dirty="0"/>
-              <a:t>The end Product</a:t>
+              <a:t>The End Product</a:t>
             </a:r>
           </a:p>
         </p:txBody>
@@ -5977,7 +5977,7 @@
         <p:spPr>
           <a:xfrm>
             <a:off x="15544798" y="17099280"/>
-            <a:ext cx="12712751" cy="7478970"/>
+            <a:ext cx="12712751" cy="9325630"/>
           </a:xfrm>
           <a:prstGeom prst="rect">
             <a:avLst/>
@@ -6007,6 +6007,16 @@
             <a:r>
               <a:rPr lang="en-US" sz="6000" dirty="0"/>
               <a:t>Make a tutorial teaching about SLAM and how to use and manipulate SLAM</a:t>
+            </a:r>
+          </a:p>
+          <a:p>
+            <a:pPr marL="857250" indent="-857250">
+              <a:buFont typeface="Arial" panose="020B0604020202020204" pitchFamily="34" charset="0"/>
+              <a:buChar char="•"/>
+            </a:pPr>
+            <a:r>
+              <a:rPr lang="en-US" sz="6000" dirty="0"/>
+              <a:t>Implement in real life with iRobot Create (Roomba)</a:t>
             </a:r>
           </a:p>
           <a:p>
@@ -6672,6 +6682,42 @@
           <a:xfrm>
             <a:off x="30086347" y="16335020"/>
             <a:ext cx="13032252" cy="8152283"/>
+          </a:xfrm>
+          <a:prstGeom prst="rect">
+            <a:avLst/>
+          </a:prstGeom>
+        </p:spPr>
+      </p:pic>
+      <p:pic>
+        <p:nvPicPr>
+          <p:cNvPr id="7" name="Picture 6" descr="A picture containing food&#10;&#10;Description automatically generated">
+            <a:extLst>
+              <a:ext uri="{FF2B5EF4-FFF2-40B4-BE49-F238E27FC236}">
+                <a16:creationId xmlns:a16="http://schemas.microsoft.com/office/drawing/2014/main" id="{597585A6-8A73-451A-BB6A-A0A27890D524}"/>
+              </a:ext>
+            </a:extLst>
+          </p:cNvPr>
+          <p:cNvPicPr>
+            <a:picLocks noChangeAspect="1"/>
+          </p:cNvPicPr>
+          <p:nvPr/>
+        </p:nvPicPr>
+        <p:blipFill>
+          <a:blip r:embed="rId8" cstate="print">
+            <a:extLst>
+              <a:ext uri="{28A0092B-C50C-407E-A947-70E740481C1C}">
+                <a14:useLocalDpi xmlns:a14="http://schemas.microsoft.com/office/drawing/2010/main" val="0"/>
+              </a:ext>
+            </a:extLst>
+          </a:blip>
+          <a:stretch>
+            <a:fillRect/>
+          </a:stretch>
+        </p:blipFill>
+        <p:spPr>
+          <a:xfrm>
+            <a:off x="35430603" y="311689"/>
+            <a:ext cx="4519966" cy="3077344"/>
           </a:xfrm>
           <a:prstGeom prst="rect">
             <a:avLst/>
